--- a/Voice_Cloning/script/VoiceCloning.pptx
+++ b/Voice_Cloning/script/VoiceCloning.pptx
@@ -121,6 +121,11 @@
       </a:defRPr>
     </a:lvl9pPr>
   </p:defaultTextStyle>
+  <p:extLst>
+    <p:ext uri="{EFAFB233-063F-42B5-8137-9DF3F51BA10A}">
+      <p15:sldGuideLst xmlns:p15="http://schemas.microsoft.com/office/powerpoint/2012/main"/>
+    </p:ext>
+  </p:extLst>
 </p:presentation>
 </file>
 
@@ -1680,7 +1685,7 @@
           <a:p>
             <a:fld id="{82EDB8D0-98ED-4B86-9D5F-E61ADC70144D}" type="datetimeFigureOut">
               <a:rPr lang="en-US" smtClean="0"/>
-              <a:t>5/1/21</a:t>
+              <a:t>5/1/2021</a:t>
             </a:fld>
             <a:endParaRPr lang="en-US" dirty="0"/>
           </a:p>
@@ -2095,7 +2100,7 @@
           <a:p>
             <a:fld id="{82EDB8D0-98ED-4B86-9D5F-E61ADC70144D}" type="datetimeFigureOut">
               <a:rPr lang="en-US" smtClean="0"/>
-              <a:t>5/1/21</a:t>
+              <a:t>5/1/2021</a:t>
             </a:fld>
             <a:endParaRPr lang="en-US"/>
           </a:p>
@@ -2587,7 +2592,7 @@
           <a:p>
             <a:fld id="{82EDB8D0-98ED-4B86-9D5F-E61ADC70144D}" type="datetimeFigureOut">
               <a:rPr lang="en-US" smtClean="0"/>
-              <a:t>5/1/21</a:t>
+              <a:t>5/1/2021</a:t>
             </a:fld>
             <a:endParaRPr lang="en-US"/>
           </a:p>
@@ -3074,7 +3079,7 @@
           <a:p>
             <a:fld id="{82EDB8D0-98ED-4B86-9D5F-E61ADC70144D}" type="datetimeFigureOut">
               <a:rPr lang="en-US" smtClean="0"/>
-              <a:t>5/1/21</a:t>
+              <a:t>5/1/2021</a:t>
             </a:fld>
             <a:endParaRPr lang="en-US" dirty="0"/>
           </a:p>
@@ -3843,7 +3848,7 @@
           <a:p>
             <a:fld id="{82EDB8D0-98ED-4B86-9D5F-E61ADC70144D}" type="datetimeFigureOut">
               <a:rPr lang="en-US" smtClean="0"/>
-              <a:t>5/1/21</a:t>
+              <a:t>5/1/2021</a:t>
             </a:fld>
             <a:endParaRPr lang="en-US"/>
           </a:p>
@@ -4325,7 +4330,7 @@
           <a:p>
             <a:fld id="{82EDB8D0-98ED-4B86-9D5F-E61ADC70144D}" type="datetimeFigureOut">
               <a:rPr lang="en-US" smtClean="0"/>
-              <a:t>5/1/21</a:t>
+              <a:t>5/1/2021</a:t>
             </a:fld>
             <a:endParaRPr lang="en-US"/>
           </a:p>
@@ -5021,7 +5026,7 @@
           <a:p>
             <a:fld id="{82EDB8D0-98ED-4B86-9D5F-E61ADC70144D}" type="datetimeFigureOut">
               <a:rPr lang="en-US" smtClean="0"/>
-              <a:t>5/1/21</a:t>
+              <a:t>5/1/2021</a:t>
             </a:fld>
             <a:endParaRPr lang="en-US"/>
           </a:p>
@@ -5446,7 +5451,7 @@
           <a:p>
             <a:fld id="{82EDB8D0-98ED-4B86-9D5F-E61ADC70144D}" type="datetimeFigureOut">
               <a:rPr lang="en-US" smtClean="0"/>
-              <a:t>5/1/21</a:t>
+              <a:t>5/1/2021</a:t>
             </a:fld>
             <a:endParaRPr lang="en-US"/>
           </a:p>
@@ -5843,7 +5848,7 @@
           <a:p>
             <a:fld id="{82EDB8D0-98ED-4B86-9D5F-E61ADC70144D}" type="datetimeFigureOut">
               <a:rPr lang="en-US" smtClean="0"/>
-              <a:t>5/1/21</a:t>
+              <a:t>5/1/2021</a:t>
             </a:fld>
             <a:endParaRPr lang="en-US"/>
           </a:p>
@@ -6438,7 +6443,7 @@
           <a:p>
             <a:fld id="{82EDB8D0-98ED-4B86-9D5F-E61ADC70144D}" type="datetimeFigureOut">
               <a:rPr lang="en-US" smtClean="0"/>
-              <a:t>5/1/21</a:t>
+              <a:t>5/1/2021</a:t>
             </a:fld>
             <a:endParaRPr lang="en-US"/>
           </a:p>
@@ -7013,7 +7018,7 @@
           <a:p>
             <a:fld id="{82EDB8D0-98ED-4B86-9D5F-E61ADC70144D}" type="datetimeFigureOut">
               <a:rPr lang="en-US" smtClean="0"/>
-              <a:t>5/1/21</a:t>
+              <a:t>5/1/2021</a:t>
             </a:fld>
             <a:endParaRPr lang="en-US"/>
           </a:p>
@@ -7540,7 +7545,7 @@
             <a:fld id="{82EDB8D0-98ED-4B86-9D5F-E61ADC70144D}" type="datetimeFigureOut">
               <a:rPr lang="en-US" smtClean="0"/>
               <a:pPr/>
-              <a:t>5/1/21</a:t>
+              <a:t>5/1/2021</a:t>
             </a:fld>
             <a:endParaRPr lang="en-US" dirty="0"/>
           </a:p>
@@ -8138,8 +8143,13 @@
           <a:p>
             <a:r>
               <a:rPr lang="en-VN" sz="3500" dirty="0"/>
-              <a:t>Nhóm 17</a:t>
-            </a:r>
+              <a:t>Nhóm </a:t>
+            </a:r>
+            <a:r>
+              <a:rPr lang="en-US" sz="3500" dirty="0"/>
+              <a:t>22</a:t>
+            </a:r>
+            <a:endParaRPr lang="en-VN" sz="3500" dirty="0"/>
           </a:p>
         </p:txBody>
       </p:sp>
